--- a/Chapter2/Figures/Fig20.pptx
+++ b/Chapter2/Figures/Fig20.pptx
@@ -7,14 +7,14 @@
   <p:sldIdLst>
     <p:sldId id="256" r:id="rId2"/>
   </p:sldIdLst>
-  <p:sldSz cx="11522075" cy="2700338"/>
+  <p:sldSz cx="7561263" cy="2339975"/>
   <p:notesSz cx="6858000" cy="9144000"/>
   <p:defaultTextStyle>
     <a:defPPr>
       <a:defRPr lang="en-US"/>
     </a:defPPr>
-    <a:lvl1pPr marL="0" algn="l" defTabSz="914400" rtl="0" eaLnBrk="1" latinLnBrk="0" hangingPunct="1">
-      <a:defRPr sz="1800" kern="1200">
+    <a:lvl1pPr marL="0" algn="l" defTabSz="867924" rtl="0" eaLnBrk="1" latinLnBrk="0" hangingPunct="1">
+      <a:defRPr sz="1700" kern="1200">
         <a:solidFill>
           <a:schemeClr val="tx1"/>
         </a:solidFill>
@@ -23,8 +23,8 @@
         <a:cs typeface="+mn-cs"/>
       </a:defRPr>
     </a:lvl1pPr>
-    <a:lvl2pPr marL="457200" algn="l" defTabSz="914400" rtl="0" eaLnBrk="1" latinLnBrk="0" hangingPunct="1">
-      <a:defRPr sz="1800" kern="1200">
+    <a:lvl2pPr marL="433961" algn="l" defTabSz="867924" rtl="0" eaLnBrk="1" latinLnBrk="0" hangingPunct="1">
+      <a:defRPr sz="1700" kern="1200">
         <a:solidFill>
           <a:schemeClr val="tx1"/>
         </a:solidFill>
@@ -33,8 +33,8 @@
         <a:cs typeface="+mn-cs"/>
       </a:defRPr>
     </a:lvl2pPr>
-    <a:lvl3pPr marL="914400" algn="l" defTabSz="914400" rtl="0" eaLnBrk="1" latinLnBrk="0" hangingPunct="1">
-      <a:defRPr sz="1800" kern="1200">
+    <a:lvl3pPr marL="867924" algn="l" defTabSz="867924" rtl="0" eaLnBrk="1" latinLnBrk="0" hangingPunct="1">
+      <a:defRPr sz="1700" kern="1200">
         <a:solidFill>
           <a:schemeClr val="tx1"/>
         </a:solidFill>
@@ -43,8 +43,8 @@
         <a:cs typeface="+mn-cs"/>
       </a:defRPr>
     </a:lvl3pPr>
-    <a:lvl4pPr marL="1371600" algn="l" defTabSz="914400" rtl="0" eaLnBrk="1" latinLnBrk="0" hangingPunct="1">
-      <a:defRPr sz="1800" kern="1200">
+    <a:lvl4pPr marL="1301886" algn="l" defTabSz="867924" rtl="0" eaLnBrk="1" latinLnBrk="0" hangingPunct="1">
+      <a:defRPr sz="1700" kern="1200">
         <a:solidFill>
           <a:schemeClr val="tx1"/>
         </a:solidFill>
@@ -53,8 +53,8 @@
         <a:cs typeface="+mn-cs"/>
       </a:defRPr>
     </a:lvl4pPr>
-    <a:lvl5pPr marL="1828800" algn="l" defTabSz="914400" rtl="0" eaLnBrk="1" latinLnBrk="0" hangingPunct="1">
-      <a:defRPr sz="1800" kern="1200">
+    <a:lvl5pPr marL="1735847" algn="l" defTabSz="867924" rtl="0" eaLnBrk="1" latinLnBrk="0" hangingPunct="1">
+      <a:defRPr sz="1700" kern="1200">
         <a:solidFill>
           <a:schemeClr val="tx1"/>
         </a:solidFill>
@@ -63,8 +63,8 @@
         <a:cs typeface="+mn-cs"/>
       </a:defRPr>
     </a:lvl5pPr>
-    <a:lvl6pPr marL="2286000" algn="l" defTabSz="914400" rtl="0" eaLnBrk="1" latinLnBrk="0" hangingPunct="1">
-      <a:defRPr sz="1800" kern="1200">
+    <a:lvl6pPr marL="2169808" algn="l" defTabSz="867924" rtl="0" eaLnBrk="1" latinLnBrk="0" hangingPunct="1">
+      <a:defRPr sz="1700" kern="1200">
         <a:solidFill>
           <a:schemeClr val="tx1"/>
         </a:solidFill>
@@ -73,8 +73,8 @@
         <a:cs typeface="+mn-cs"/>
       </a:defRPr>
     </a:lvl6pPr>
-    <a:lvl7pPr marL="2743200" algn="l" defTabSz="914400" rtl="0" eaLnBrk="1" latinLnBrk="0" hangingPunct="1">
-      <a:defRPr sz="1800" kern="1200">
+    <a:lvl7pPr marL="2603771" algn="l" defTabSz="867924" rtl="0" eaLnBrk="1" latinLnBrk="0" hangingPunct="1">
+      <a:defRPr sz="1700" kern="1200">
         <a:solidFill>
           <a:schemeClr val="tx1"/>
         </a:solidFill>
@@ -83,8 +83,8 @@
         <a:cs typeface="+mn-cs"/>
       </a:defRPr>
     </a:lvl7pPr>
-    <a:lvl8pPr marL="3200400" algn="l" defTabSz="914400" rtl="0" eaLnBrk="1" latinLnBrk="0" hangingPunct="1">
-      <a:defRPr sz="1800" kern="1200">
+    <a:lvl8pPr marL="3037732" algn="l" defTabSz="867924" rtl="0" eaLnBrk="1" latinLnBrk="0" hangingPunct="1">
+      <a:defRPr sz="1700" kern="1200">
         <a:solidFill>
           <a:schemeClr val="tx1"/>
         </a:solidFill>
@@ -93,8 +93,8 @@
         <a:cs typeface="+mn-cs"/>
       </a:defRPr>
     </a:lvl8pPr>
-    <a:lvl9pPr marL="3657600" algn="l" defTabSz="914400" rtl="0" eaLnBrk="1" latinLnBrk="0" hangingPunct="1">
-      <a:defRPr sz="1800" kern="1200">
+    <a:lvl9pPr marL="3471694" algn="l" defTabSz="867924" rtl="0" eaLnBrk="1" latinLnBrk="0" hangingPunct="1">
+      <a:defRPr sz="1700" kern="1200">
         <a:solidFill>
           <a:schemeClr val="tx1"/>
         </a:solidFill>
@@ -136,8 +136,8 @@
         </p:nvSpPr>
         <p:spPr>
           <a:xfrm>
-            <a:off x="864156" y="838856"/>
-            <a:ext cx="9793764" cy="578822"/>
+            <a:off x="567096" y="726910"/>
+            <a:ext cx="6427074" cy="501578"/>
           </a:xfrm>
         </p:spPr>
         <p:txBody>
@@ -164,8 +164,8 @@
         </p:nvSpPr>
         <p:spPr>
           <a:xfrm>
-            <a:off x="1728313" y="1530193"/>
-            <a:ext cx="8065453" cy="690087"/>
+            <a:off x="1134191" y="1325990"/>
+            <a:ext cx="5292884" cy="597994"/>
           </a:xfrm>
         </p:spPr>
         <p:txBody>
@@ -181,7 +181,7 @@
                 </a:solidFill>
               </a:defRPr>
             </a:lvl1pPr>
-            <a:lvl2pPr marL="457200" indent="0" algn="ctr">
+            <a:lvl2pPr marL="433961" indent="0" algn="ctr">
               <a:buNone/>
               <a:defRPr>
                 <a:solidFill>
@@ -191,7 +191,7 @@
                 </a:solidFill>
               </a:defRPr>
             </a:lvl2pPr>
-            <a:lvl3pPr marL="914400" indent="0" algn="ctr">
+            <a:lvl3pPr marL="867924" indent="0" algn="ctr">
               <a:buNone/>
               <a:defRPr>
                 <a:solidFill>
@@ -201,7 +201,7 @@
                 </a:solidFill>
               </a:defRPr>
             </a:lvl3pPr>
-            <a:lvl4pPr marL="1371600" indent="0" algn="ctr">
+            <a:lvl4pPr marL="1301886" indent="0" algn="ctr">
               <a:buNone/>
               <a:defRPr>
                 <a:solidFill>
@@ -211,7 +211,7 @@
                 </a:solidFill>
               </a:defRPr>
             </a:lvl4pPr>
-            <a:lvl5pPr marL="1828800" indent="0" algn="ctr">
+            <a:lvl5pPr marL="1735847" indent="0" algn="ctr">
               <a:buNone/>
               <a:defRPr>
                 <a:solidFill>
@@ -221,7 +221,7 @@
                 </a:solidFill>
               </a:defRPr>
             </a:lvl5pPr>
-            <a:lvl6pPr marL="2286000" indent="0" algn="ctr">
+            <a:lvl6pPr marL="2169808" indent="0" algn="ctr">
               <a:buNone/>
               <a:defRPr>
                 <a:solidFill>
@@ -231,7 +231,7 @@
                 </a:solidFill>
               </a:defRPr>
             </a:lvl6pPr>
-            <a:lvl7pPr marL="2743200" indent="0" algn="ctr">
+            <a:lvl7pPr marL="2603771" indent="0" algn="ctr">
               <a:buNone/>
               <a:defRPr>
                 <a:solidFill>
@@ -241,7 +241,7 @@
                 </a:solidFill>
               </a:defRPr>
             </a:lvl7pPr>
-            <a:lvl8pPr marL="3200400" indent="0" algn="ctr">
+            <a:lvl8pPr marL="3037732" indent="0" algn="ctr">
               <a:buNone/>
               <a:defRPr>
                 <a:solidFill>
@@ -251,7 +251,7 @@
                 </a:solidFill>
               </a:defRPr>
             </a:lvl8pPr>
-            <a:lvl9pPr marL="3657600" indent="0" algn="ctr">
+            <a:lvl9pPr marL="3471694" indent="0" algn="ctr">
               <a:buNone/>
               <a:defRPr>
                 <a:solidFill>
@@ -288,7 +288,7 @@
           <a:p>
             <a:fld id="{94783D7E-701B-41EE-968D-E515803E52E9}" type="datetimeFigureOut">
               <a:rPr lang="en-GB" smtClean="0"/>
-              <a:t>25/06/2014</a:t>
+              <a:t>11/07/2014</a:t>
             </a:fld>
             <a:endParaRPr lang="en-GB"/>
           </a:p>
@@ -458,7 +458,7 @@
           <a:p>
             <a:fld id="{94783D7E-701B-41EE-968D-E515803E52E9}" type="datetimeFigureOut">
               <a:rPr lang="en-GB" smtClean="0"/>
-              <a:t>25/06/2014</a:t>
+              <a:t>11/07/2014</a:t>
             </a:fld>
             <a:endParaRPr lang="en-GB"/>
           </a:p>
@@ -548,8 +548,8 @@
         </p:nvSpPr>
         <p:spPr>
           <a:xfrm>
-            <a:off x="9867780" y="45632"/>
-            <a:ext cx="3062551" cy="966996"/>
+            <a:off x="6475648" y="39542"/>
+            <a:ext cx="2009772" cy="837950"/>
           </a:xfrm>
         </p:spPr>
         <p:txBody>
@@ -576,8 +576,8 @@
         </p:nvSpPr>
         <p:spPr>
           <a:xfrm>
-            <a:off x="680124" y="45632"/>
-            <a:ext cx="8995621" cy="966996"/>
+            <a:off x="446325" y="39542"/>
+            <a:ext cx="5903300" cy="837950"/>
           </a:xfrm>
         </p:spPr>
         <p:txBody>
@@ -638,7 +638,7 @@
           <a:p>
             <a:fld id="{94783D7E-701B-41EE-968D-E515803E52E9}" type="datetimeFigureOut">
               <a:rPr lang="en-GB" smtClean="0"/>
-              <a:t>25/06/2014</a:t>
+              <a:t>11/07/2014</a:t>
             </a:fld>
             <a:endParaRPr lang="en-GB"/>
           </a:p>
@@ -808,7 +808,7 @@
           <a:p>
             <a:fld id="{94783D7E-701B-41EE-968D-E515803E52E9}" type="datetimeFigureOut">
               <a:rPr lang="en-GB" smtClean="0"/>
-              <a:t>25/06/2014</a:t>
+              <a:t>11/07/2014</a:t>
             </a:fld>
             <a:endParaRPr lang="en-GB"/>
           </a:p>
@@ -898,15 +898,15 @@
         </p:nvSpPr>
         <p:spPr>
           <a:xfrm>
-            <a:off x="910165" y="1735218"/>
-            <a:ext cx="9793764" cy="536316"/>
+            <a:off x="597289" y="1503652"/>
+            <a:ext cx="6427074" cy="464744"/>
           </a:xfrm>
         </p:spPr>
         <p:txBody>
           <a:bodyPr anchor="t"/>
           <a:lstStyle>
             <a:lvl1pPr algn="l">
-              <a:defRPr sz="4000" b="1" cap="all"/>
+              <a:defRPr sz="3800" b="1" cap="all"/>
             </a:lvl1pPr>
           </a:lstStyle>
           <a:p>
@@ -930,8 +930,8 @@
         </p:nvSpPr>
         <p:spPr>
           <a:xfrm>
-            <a:off x="910165" y="1144518"/>
-            <a:ext cx="9793764" cy="590699"/>
+            <a:off x="597289" y="991783"/>
+            <a:ext cx="6427074" cy="511870"/>
           </a:xfrm>
         </p:spPr>
         <p:txBody>
@@ -939,7 +939,7 @@
           <a:lstStyle>
             <a:lvl1pPr marL="0" indent="0">
               <a:buNone/>
-              <a:defRPr sz="2000">
+              <a:defRPr sz="1900">
                 <a:solidFill>
                   <a:schemeClr val="tx1">
                     <a:tint val="75000"/>
@@ -947,9 +947,9 @@
                 </a:solidFill>
               </a:defRPr>
             </a:lvl1pPr>
-            <a:lvl2pPr marL="457200" indent="0">
-              <a:buNone/>
-              <a:defRPr sz="1800">
+            <a:lvl2pPr marL="433961" indent="0">
+              <a:buNone/>
+              <a:defRPr sz="1700">
                 <a:solidFill>
                   <a:schemeClr val="tx1">
                     <a:tint val="75000"/>
@@ -957,7 +957,7 @@
                 </a:solidFill>
               </a:defRPr>
             </a:lvl2pPr>
-            <a:lvl3pPr marL="914400" indent="0">
+            <a:lvl3pPr marL="867924" indent="0">
               <a:buNone/>
               <a:defRPr sz="1600">
                 <a:solidFill>
@@ -967,9 +967,9 @@
                 </a:solidFill>
               </a:defRPr>
             </a:lvl3pPr>
-            <a:lvl4pPr marL="1371600" indent="0">
-              <a:buNone/>
-              <a:defRPr sz="1400">
+            <a:lvl4pPr marL="1301886" indent="0">
+              <a:buNone/>
+              <a:defRPr sz="1300">
                 <a:solidFill>
                   <a:schemeClr val="tx1">
                     <a:tint val="75000"/>
@@ -977,9 +977,9 @@
                 </a:solidFill>
               </a:defRPr>
             </a:lvl4pPr>
-            <a:lvl5pPr marL="1828800" indent="0">
-              <a:buNone/>
-              <a:defRPr sz="1400">
+            <a:lvl5pPr marL="1735847" indent="0">
+              <a:buNone/>
+              <a:defRPr sz="1300">
                 <a:solidFill>
                   <a:schemeClr val="tx1">
                     <a:tint val="75000"/>
@@ -987,9 +987,9 @@
                 </a:solidFill>
               </a:defRPr>
             </a:lvl5pPr>
-            <a:lvl6pPr marL="2286000" indent="0">
-              <a:buNone/>
-              <a:defRPr sz="1400">
+            <a:lvl6pPr marL="2169808" indent="0">
+              <a:buNone/>
+              <a:defRPr sz="1300">
                 <a:solidFill>
                   <a:schemeClr val="tx1">
                     <a:tint val="75000"/>
@@ -997,9 +997,9 @@
                 </a:solidFill>
               </a:defRPr>
             </a:lvl6pPr>
-            <a:lvl7pPr marL="2743200" indent="0">
-              <a:buNone/>
-              <a:defRPr sz="1400">
+            <a:lvl7pPr marL="2603771" indent="0">
+              <a:buNone/>
+              <a:defRPr sz="1300">
                 <a:solidFill>
                   <a:schemeClr val="tx1">
                     <a:tint val="75000"/>
@@ -1007,9 +1007,9 @@
                 </a:solidFill>
               </a:defRPr>
             </a:lvl7pPr>
-            <a:lvl8pPr marL="3200400" indent="0">
-              <a:buNone/>
-              <a:defRPr sz="1400">
+            <a:lvl8pPr marL="3037732" indent="0">
+              <a:buNone/>
+              <a:defRPr sz="1300">
                 <a:solidFill>
                   <a:schemeClr val="tx1">
                     <a:tint val="75000"/>
@@ -1017,9 +1017,9 @@
                 </a:solidFill>
               </a:defRPr>
             </a:lvl8pPr>
-            <a:lvl9pPr marL="3657600" indent="0">
-              <a:buNone/>
-              <a:defRPr sz="1400">
+            <a:lvl9pPr marL="3471694" indent="0">
+              <a:buNone/>
+              <a:defRPr sz="1300">
                 <a:solidFill>
                   <a:schemeClr val="tx1">
                     <a:tint val="75000"/>
@@ -1054,7 +1054,7 @@
           <a:p>
             <a:fld id="{94783D7E-701B-41EE-968D-E515803E52E9}" type="datetimeFigureOut">
               <a:rPr lang="en-GB" smtClean="0"/>
-              <a:t>25/06/2014</a:t>
+              <a:t>11/07/2014</a:t>
             </a:fld>
             <a:endParaRPr lang="en-GB"/>
           </a:p>
@@ -1167,39 +1167,39 @@
         </p:nvSpPr>
         <p:spPr>
           <a:xfrm>
-            <a:off x="680125" y="264410"/>
-            <a:ext cx="6029085" cy="748218"/>
+            <a:off x="446327" y="229124"/>
+            <a:ext cx="3956536" cy="648368"/>
           </a:xfrm>
         </p:spPr>
         <p:txBody>
           <a:bodyPr/>
           <a:lstStyle>
             <a:lvl1pPr>
-              <a:defRPr sz="2800"/>
+              <a:defRPr sz="2700"/>
             </a:lvl1pPr>
             <a:lvl2pPr>
-              <a:defRPr sz="2400"/>
+              <a:defRPr sz="2200"/>
             </a:lvl2pPr>
             <a:lvl3pPr>
-              <a:defRPr sz="2000"/>
+              <a:defRPr sz="1900"/>
             </a:lvl3pPr>
             <a:lvl4pPr>
-              <a:defRPr sz="1800"/>
+              <a:defRPr sz="1700"/>
             </a:lvl4pPr>
             <a:lvl5pPr>
-              <a:defRPr sz="1800"/>
+              <a:defRPr sz="1700"/>
             </a:lvl5pPr>
             <a:lvl6pPr>
-              <a:defRPr sz="1800"/>
+              <a:defRPr sz="1700"/>
             </a:lvl6pPr>
             <a:lvl7pPr>
-              <a:defRPr sz="1800"/>
+              <a:defRPr sz="1700"/>
             </a:lvl7pPr>
             <a:lvl8pPr>
-              <a:defRPr sz="1800"/>
+              <a:defRPr sz="1700"/>
             </a:lvl8pPr>
             <a:lvl9pPr>
-              <a:defRPr sz="1800"/>
+              <a:defRPr sz="1700"/>
             </a:lvl9pPr>
           </a:lstStyle>
           <a:p>
@@ -1252,39 +1252,39 @@
         </p:nvSpPr>
         <p:spPr>
           <a:xfrm>
-            <a:off x="6901245" y="264410"/>
-            <a:ext cx="6029085" cy="748218"/>
+            <a:off x="4528884" y="229124"/>
+            <a:ext cx="3956536" cy="648368"/>
           </a:xfrm>
         </p:spPr>
         <p:txBody>
           <a:bodyPr/>
           <a:lstStyle>
             <a:lvl1pPr>
-              <a:defRPr sz="2800"/>
+              <a:defRPr sz="2700"/>
             </a:lvl1pPr>
             <a:lvl2pPr>
-              <a:defRPr sz="2400"/>
+              <a:defRPr sz="2200"/>
             </a:lvl2pPr>
             <a:lvl3pPr>
-              <a:defRPr sz="2000"/>
+              <a:defRPr sz="1900"/>
             </a:lvl3pPr>
             <a:lvl4pPr>
-              <a:defRPr sz="1800"/>
+              <a:defRPr sz="1700"/>
             </a:lvl4pPr>
             <a:lvl5pPr>
-              <a:defRPr sz="1800"/>
+              <a:defRPr sz="1700"/>
             </a:lvl5pPr>
             <a:lvl6pPr>
-              <a:defRPr sz="1800"/>
+              <a:defRPr sz="1700"/>
             </a:lvl6pPr>
             <a:lvl7pPr>
-              <a:defRPr sz="1800"/>
+              <a:defRPr sz="1700"/>
             </a:lvl7pPr>
             <a:lvl8pPr>
-              <a:defRPr sz="1800"/>
+              <a:defRPr sz="1700"/>
             </a:lvl8pPr>
             <a:lvl9pPr>
-              <a:defRPr sz="1800"/>
+              <a:defRPr sz="1700"/>
             </a:lvl9pPr>
           </a:lstStyle>
           <a:p>
@@ -1342,7 +1342,7 @@
           <a:p>
             <a:fld id="{94783D7E-701B-41EE-968D-E515803E52E9}" type="datetimeFigureOut">
               <a:rPr lang="en-GB" smtClean="0"/>
-              <a:t>25/06/2014</a:t>
+              <a:t>11/07/2014</a:t>
             </a:fld>
             <a:endParaRPr lang="en-GB"/>
           </a:p>
@@ -1432,8 +1432,8 @@
         </p:nvSpPr>
         <p:spPr>
           <a:xfrm>
-            <a:off x="576105" y="108139"/>
-            <a:ext cx="10369868" cy="450056"/>
+            <a:off x="378065" y="93708"/>
+            <a:ext cx="6805137" cy="389996"/>
           </a:xfrm>
         </p:spPr>
         <p:txBody>
@@ -1464,8 +1464,8 @@
         </p:nvSpPr>
         <p:spPr>
           <a:xfrm>
-            <a:off x="576105" y="604450"/>
-            <a:ext cx="5090918" cy="251907"/>
+            <a:off x="378065" y="523788"/>
+            <a:ext cx="3340871" cy="218289"/>
           </a:xfrm>
         </p:spPr>
         <p:txBody>
@@ -1473,37 +1473,37 @@
           <a:lstStyle>
             <a:lvl1pPr marL="0" indent="0">
               <a:buNone/>
-              <a:defRPr sz="2400" b="1"/>
+              <a:defRPr sz="2200" b="1"/>
             </a:lvl1pPr>
-            <a:lvl2pPr marL="457200" indent="0">
-              <a:buNone/>
-              <a:defRPr sz="2000" b="1"/>
+            <a:lvl2pPr marL="433961" indent="0">
+              <a:buNone/>
+              <a:defRPr sz="1900" b="1"/>
             </a:lvl2pPr>
-            <a:lvl3pPr marL="914400" indent="0">
-              <a:buNone/>
-              <a:defRPr sz="1800" b="1"/>
+            <a:lvl3pPr marL="867924" indent="0">
+              <a:buNone/>
+              <a:defRPr sz="1700" b="1"/>
             </a:lvl3pPr>
-            <a:lvl4pPr marL="1371600" indent="0">
+            <a:lvl4pPr marL="1301886" indent="0">
               <a:buNone/>
               <a:defRPr sz="1600" b="1"/>
             </a:lvl4pPr>
-            <a:lvl5pPr marL="1828800" indent="0">
+            <a:lvl5pPr marL="1735847" indent="0">
               <a:buNone/>
               <a:defRPr sz="1600" b="1"/>
             </a:lvl5pPr>
-            <a:lvl6pPr marL="2286000" indent="0">
+            <a:lvl6pPr marL="2169808" indent="0">
               <a:buNone/>
               <a:defRPr sz="1600" b="1"/>
             </a:lvl6pPr>
-            <a:lvl7pPr marL="2743200" indent="0">
+            <a:lvl7pPr marL="2603771" indent="0">
               <a:buNone/>
               <a:defRPr sz="1600" b="1"/>
             </a:lvl7pPr>
-            <a:lvl8pPr marL="3200400" indent="0">
+            <a:lvl8pPr marL="3037732" indent="0">
               <a:buNone/>
               <a:defRPr sz="1600" b="1"/>
             </a:lvl8pPr>
-            <a:lvl9pPr marL="3657600" indent="0">
+            <a:lvl9pPr marL="3471694" indent="0">
               <a:buNone/>
               <a:defRPr sz="1600" b="1"/>
             </a:lvl9pPr>
@@ -1529,21 +1529,21 @@
         </p:nvSpPr>
         <p:spPr>
           <a:xfrm>
-            <a:off x="576105" y="856357"/>
-            <a:ext cx="5090918" cy="1555820"/>
+            <a:off x="378065" y="742076"/>
+            <a:ext cx="3340871" cy="1348194"/>
           </a:xfrm>
         </p:spPr>
         <p:txBody>
           <a:bodyPr/>
           <a:lstStyle>
             <a:lvl1pPr>
-              <a:defRPr sz="2400"/>
+              <a:defRPr sz="2200"/>
             </a:lvl1pPr>
             <a:lvl2pPr>
-              <a:defRPr sz="2000"/>
+              <a:defRPr sz="1900"/>
             </a:lvl2pPr>
             <a:lvl3pPr>
-              <a:defRPr sz="1800"/>
+              <a:defRPr sz="1700"/>
             </a:lvl3pPr>
             <a:lvl4pPr>
               <a:defRPr sz="1600"/>
@@ -1614,8 +1614,8 @@
         </p:nvSpPr>
         <p:spPr>
           <a:xfrm>
-            <a:off x="5853057" y="604450"/>
-            <a:ext cx="5092917" cy="251907"/>
+            <a:off x="3841020" y="523788"/>
+            <a:ext cx="3342183" cy="218289"/>
           </a:xfrm>
         </p:spPr>
         <p:txBody>
@@ -1623,37 +1623,37 @@
           <a:lstStyle>
             <a:lvl1pPr marL="0" indent="0">
               <a:buNone/>
-              <a:defRPr sz="2400" b="1"/>
+              <a:defRPr sz="2200" b="1"/>
             </a:lvl1pPr>
-            <a:lvl2pPr marL="457200" indent="0">
-              <a:buNone/>
-              <a:defRPr sz="2000" b="1"/>
+            <a:lvl2pPr marL="433961" indent="0">
+              <a:buNone/>
+              <a:defRPr sz="1900" b="1"/>
             </a:lvl2pPr>
-            <a:lvl3pPr marL="914400" indent="0">
-              <a:buNone/>
-              <a:defRPr sz="1800" b="1"/>
+            <a:lvl3pPr marL="867924" indent="0">
+              <a:buNone/>
+              <a:defRPr sz="1700" b="1"/>
             </a:lvl3pPr>
-            <a:lvl4pPr marL="1371600" indent="0">
+            <a:lvl4pPr marL="1301886" indent="0">
               <a:buNone/>
               <a:defRPr sz="1600" b="1"/>
             </a:lvl4pPr>
-            <a:lvl5pPr marL="1828800" indent="0">
+            <a:lvl5pPr marL="1735847" indent="0">
               <a:buNone/>
               <a:defRPr sz="1600" b="1"/>
             </a:lvl5pPr>
-            <a:lvl6pPr marL="2286000" indent="0">
+            <a:lvl6pPr marL="2169808" indent="0">
               <a:buNone/>
               <a:defRPr sz="1600" b="1"/>
             </a:lvl6pPr>
-            <a:lvl7pPr marL="2743200" indent="0">
+            <a:lvl7pPr marL="2603771" indent="0">
               <a:buNone/>
               <a:defRPr sz="1600" b="1"/>
             </a:lvl7pPr>
-            <a:lvl8pPr marL="3200400" indent="0">
+            <a:lvl8pPr marL="3037732" indent="0">
               <a:buNone/>
               <a:defRPr sz="1600" b="1"/>
             </a:lvl8pPr>
-            <a:lvl9pPr marL="3657600" indent="0">
+            <a:lvl9pPr marL="3471694" indent="0">
               <a:buNone/>
               <a:defRPr sz="1600" b="1"/>
             </a:lvl9pPr>
@@ -1679,21 +1679,21 @@
         </p:nvSpPr>
         <p:spPr>
           <a:xfrm>
-            <a:off x="5853057" y="856357"/>
-            <a:ext cx="5092917" cy="1555820"/>
+            <a:off x="3841020" y="742076"/>
+            <a:ext cx="3342183" cy="1348194"/>
           </a:xfrm>
         </p:spPr>
         <p:txBody>
           <a:bodyPr/>
           <a:lstStyle>
             <a:lvl1pPr>
-              <a:defRPr sz="2400"/>
+              <a:defRPr sz="2200"/>
             </a:lvl1pPr>
             <a:lvl2pPr>
-              <a:defRPr sz="2000"/>
+              <a:defRPr sz="1900"/>
             </a:lvl2pPr>
             <a:lvl3pPr>
-              <a:defRPr sz="1800"/>
+              <a:defRPr sz="1700"/>
             </a:lvl3pPr>
             <a:lvl4pPr>
               <a:defRPr sz="1600"/>
@@ -1769,7 +1769,7 @@
           <a:p>
             <a:fld id="{94783D7E-701B-41EE-968D-E515803E52E9}" type="datetimeFigureOut">
               <a:rPr lang="en-GB" smtClean="0"/>
-              <a:t>25/06/2014</a:t>
+              <a:t>11/07/2014</a:t>
             </a:fld>
             <a:endParaRPr lang="en-GB"/>
           </a:p>
@@ -1887,7 +1887,7 @@
           <a:p>
             <a:fld id="{94783D7E-701B-41EE-968D-E515803E52E9}" type="datetimeFigureOut">
               <a:rPr lang="en-GB" smtClean="0"/>
-              <a:t>25/06/2014</a:t>
+              <a:t>11/07/2014</a:t>
             </a:fld>
             <a:endParaRPr lang="en-GB"/>
           </a:p>
@@ -1982,7 +1982,7 @@
           <a:p>
             <a:fld id="{94783D7E-701B-41EE-968D-E515803E52E9}" type="datetimeFigureOut">
               <a:rPr lang="en-GB" smtClean="0"/>
-              <a:t>25/06/2014</a:t>
+              <a:t>11/07/2014</a:t>
             </a:fld>
             <a:endParaRPr lang="en-GB"/>
           </a:p>
@@ -2072,15 +2072,15 @@
         </p:nvSpPr>
         <p:spPr>
           <a:xfrm>
-            <a:off x="576105" y="107516"/>
-            <a:ext cx="3790683" cy="457557"/>
+            <a:off x="378066" y="93171"/>
+            <a:ext cx="2487603" cy="396496"/>
           </a:xfrm>
         </p:spPr>
         <p:txBody>
           <a:bodyPr anchor="b"/>
           <a:lstStyle>
             <a:lvl1pPr algn="l">
-              <a:defRPr sz="2000" b="1"/>
+              <a:defRPr sz="1900" b="1"/>
             </a:lvl1pPr>
           </a:lstStyle>
           <a:p>
@@ -2104,39 +2104,39 @@
         </p:nvSpPr>
         <p:spPr>
           <a:xfrm>
-            <a:off x="4504813" y="107516"/>
-            <a:ext cx="6441161" cy="2304664"/>
+            <a:off x="2956247" y="93169"/>
+            <a:ext cx="4226957" cy="1997104"/>
           </a:xfrm>
         </p:spPr>
         <p:txBody>
           <a:bodyPr/>
           <a:lstStyle>
             <a:lvl1pPr>
-              <a:defRPr sz="3200"/>
+              <a:defRPr sz="3000"/>
             </a:lvl1pPr>
             <a:lvl2pPr>
-              <a:defRPr sz="2800"/>
+              <a:defRPr sz="2700"/>
             </a:lvl2pPr>
             <a:lvl3pPr>
-              <a:defRPr sz="2400"/>
+              <a:defRPr sz="2200"/>
             </a:lvl3pPr>
             <a:lvl4pPr>
-              <a:defRPr sz="2000"/>
+              <a:defRPr sz="1900"/>
             </a:lvl4pPr>
             <a:lvl5pPr>
-              <a:defRPr sz="2000"/>
+              <a:defRPr sz="1900"/>
             </a:lvl5pPr>
             <a:lvl6pPr>
-              <a:defRPr sz="2000"/>
+              <a:defRPr sz="1900"/>
             </a:lvl6pPr>
             <a:lvl7pPr>
-              <a:defRPr sz="2000"/>
+              <a:defRPr sz="1900"/>
             </a:lvl7pPr>
             <a:lvl8pPr>
-              <a:defRPr sz="2000"/>
+              <a:defRPr sz="1900"/>
             </a:lvl8pPr>
             <a:lvl9pPr>
-              <a:defRPr sz="2000"/>
+              <a:defRPr sz="1900"/>
             </a:lvl9pPr>
           </a:lstStyle>
           <a:p>
@@ -2189,8 +2189,8 @@
         </p:nvSpPr>
         <p:spPr>
           <a:xfrm>
-            <a:off x="576105" y="565071"/>
-            <a:ext cx="3790683" cy="1847106"/>
+            <a:off x="378066" y="489661"/>
+            <a:ext cx="2487603" cy="1600608"/>
           </a:xfrm>
         </p:spPr>
         <p:txBody>
@@ -2198,37 +2198,37 @@
           <a:lstStyle>
             <a:lvl1pPr marL="0" indent="0">
               <a:buNone/>
-              <a:defRPr sz="1400"/>
+              <a:defRPr sz="1300"/>
             </a:lvl1pPr>
-            <a:lvl2pPr marL="457200" indent="0">
-              <a:buNone/>
-              <a:defRPr sz="1200"/>
+            <a:lvl2pPr marL="433961" indent="0">
+              <a:buNone/>
+              <a:defRPr sz="1100"/>
             </a:lvl2pPr>
-            <a:lvl3pPr marL="914400" indent="0">
-              <a:buNone/>
-              <a:defRPr sz="1000"/>
+            <a:lvl3pPr marL="867924" indent="0">
+              <a:buNone/>
+              <a:defRPr sz="900"/>
             </a:lvl3pPr>
-            <a:lvl4pPr marL="1371600" indent="0">
+            <a:lvl4pPr marL="1301886" indent="0">
               <a:buNone/>
               <a:defRPr sz="900"/>
             </a:lvl4pPr>
-            <a:lvl5pPr marL="1828800" indent="0">
+            <a:lvl5pPr marL="1735847" indent="0">
               <a:buNone/>
               <a:defRPr sz="900"/>
             </a:lvl5pPr>
-            <a:lvl6pPr marL="2286000" indent="0">
+            <a:lvl6pPr marL="2169808" indent="0">
               <a:buNone/>
               <a:defRPr sz="900"/>
             </a:lvl6pPr>
-            <a:lvl7pPr marL="2743200" indent="0">
+            <a:lvl7pPr marL="2603771" indent="0">
               <a:buNone/>
               <a:defRPr sz="900"/>
             </a:lvl7pPr>
-            <a:lvl8pPr marL="3200400" indent="0">
+            <a:lvl8pPr marL="3037732" indent="0">
               <a:buNone/>
               <a:defRPr sz="900"/>
             </a:lvl8pPr>
-            <a:lvl9pPr marL="3657600" indent="0">
+            <a:lvl9pPr marL="3471694" indent="0">
               <a:buNone/>
               <a:defRPr sz="900"/>
             </a:lvl9pPr>
@@ -2259,7 +2259,7 @@
           <a:p>
             <a:fld id="{94783D7E-701B-41EE-968D-E515803E52E9}" type="datetimeFigureOut">
               <a:rPr lang="en-GB" smtClean="0"/>
-              <a:t>25/06/2014</a:t>
+              <a:t>11/07/2014</a:t>
             </a:fld>
             <a:endParaRPr lang="en-GB"/>
           </a:p>
@@ -2349,15 +2349,15 @@
         </p:nvSpPr>
         <p:spPr>
           <a:xfrm>
-            <a:off x="2258409" y="1890238"/>
-            <a:ext cx="6913245" cy="223152"/>
+            <a:off x="1482063" y="1637984"/>
+            <a:ext cx="4536758" cy="193372"/>
           </a:xfrm>
         </p:spPr>
         <p:txBody>
           <a:bodyPr anchor="b"/>
           <a:lstStyle>
             <a:lvl1pPr algn="l">
-              <a:defRPr sz="2000" b="1"/>
+              <a:defRPr sz="1900" b="1"/>
             </a:lvl1pPr>
           </a:lstStyle>
           <a:p>
@@ -2381,8 +2381,8 @@
         </p:nvSpPr>
         <p:spPr>
           <a:xfrm>
-            <a:off x="2258409" y="241281"/>
-            <a:ext cx="6913245" cy="1620203"/>
+            <a:off x="1482063" y="209085"/>
+            <a:ext cx="4536758" cy="1403985"/>
           </a:xfrm>
         </p:spPr>
         <p:txBody>
@@ -2390,39 +2390,39 @@
           <a:lstStyle>
             <a:lvl1pPr marL="0" indent="0">
               <a:buNone/>
-              <a:defRPr sz="3200"/>
+              <a:defRPr sz="3000"/>
             </a:lvl1pPr>
-            <a:lvl2pPr marL="457200" indent="0">
-              <a:buNone/>
-              <a:defRPr sz="2800"/>
+            <a:lvl2pPr marL="433961" indent="0">
+              <a:buNone/>
+              <a:defRPr sz="2700"/>
             </a:lvl2pPr>
-            <a:lvl3pPr marL="914400" indent="0">
-              <a:buNone/>
-              <a:defRPr sz="2400"/>
+            <a:lvl3pPr marL="867924" indent="0">
+              <a:buNone/>
+              <a:defRPr sz="2200"/>
             </a:lvl3pPr>
-            <a:lvl4pPr marL="1371600" indent="0">
-              <a:buNone/>
-              <a:defRPr sz="2000"/>
+            <a:lvl4pPr marL="1301886" indent="0">
+              <a:buNone/>
+              <a:defRPr sz="1900"/>
             </a:lvl4pPr>
-            <a:lvl5pPr marL="1828800" indent="0">
-              <a:buNone/>
-              <a:defRPr sz="2000"/>
+            <a:lvl5pPr marL="1735847" indent="0">
+              <a:buNone/>
+              <a:defRPr sz="1900"/>
             </a:lvl5pPr>
-            <a:lvl6pPr marL="2286000" indent="0">
-              <a:buNone/>
-              <a:defRPr sz="2000"/>
+            <a:lvl6pPr marL="2169808" indent="0">
+              <a:buNone/>
+              <a:defRPr sz="1900"/>
             </a:lvl6pPr>
-            <a:lvl7pPr marL="2743200" indent="0">
-              <a:buNone/>
-              <a:defRPr sz="2000"/>
+            <a:lvl7pPr marL="2603771" indent="0">
+              <a:buNone/>
+              <a:defRPr sz="1900"/>
             </a:lvl7pPr>
-            <a:lvl8pPr marL="3200400" indent="0">
-              <a:buNone/>
-              <a:defRPr sz="2000"/>
+            <a:lvl8pPr marL="3037732" indent="0">
+              <a:buNone/>
+              <a:defRPr sz="1900"/>
             </a:lvl8pPr>
-            <a:lvl9pPr marL="3657600" indent="0">
-              <a:buNone/>
-              <a:defRPr sz="2000"/>
+            <a:lvl9pPr marL="3471694" indent="0">
+              <a:buNone/>
+              <a:defRPr sz="1900"/>
             </a:lvl9pPr>
           </a:lstStyle>
           <a:p>
@@ -2442,8 +2442,8 @@
         </p:nvSpPr>
         <p:spPr>
           <a:xfrm>
-            <a:off x="2258409" y="2113390"/>
-            <a:ext cx="6913245" cy="316915"/>
+            <a:off x="1482063" y="1831358"/>
+            <a:ext cx="4536758" cy="274623"/>
           </a:xfrm>
         </p:spPr>
         <p:txBody>
@@ -2451,37 +2451,37 @@
           <a:lstStyle>
             <a:lvl1pPr marL="0" indent="0">
               <a:buNone/>
-              <a:defRPr sz="1400"/>
+              <a:defRPr sz="1300"/>
             </a:lvl1pPr>
-            <a:lvl2pPr marL="457200" indent="0">
-              <a:buNone/>
-              <a:defRPr sz="1200"/>
+            <a:lvl2pPr marL="433961" indent="0">
+              <a:buNone/>
+              <a:defRPr sz="1100"/>
             </a:lvl2pPr>
-            <a:lvl3pPr marL="914400" indent="0">
-              <a:buNone/>
-              <a:defRPr sz="1000"/>
+            <a:lvl3pPr marL="867924" indent="0">
+              <a:buNone/>
+              <a:defRPr sz="900"/>
             </a:lvl3pPr>
-            <a:lvl4pPr marL="1371600" indent="0">
+            <a:lvl4pPr marL="1301886" indent="0">
               <a:buNone/>
               <a:defRPr sz="900"/>
             </a:lvl4pPr>
-            <a:lvl5pPr marL="1828800" indent="0">
+            <a:lvl5pPr marL="1735847" indent="0">
               <a:buNone/>
               <a:defRPr sz="900"/>
             </a:lvl5pPr>
-            <a:lvl6pPr marL="2286000" indent="0">
+            <a:lvl6pPr marL="2169808" indent="0">
               <a:buNone/>
               <a:defRPr sz="900"/>
             </a:lvl6pPr>
-            <a:lvl7pPr marL="2743200" indent="0">
+            <a:lvl7pPr marL="2603771" indent="0">
               <a:buNone/>
               <a:defRPr sz="900"/>
             </a:lvl7pPr>
-            <a:lvl8pPr marL="3200400" indent="0">
+            <a:lvl8pPr marL="3037732" indent="0">
               <a:buNone/>
               <a:defRPr sz="900"/>
             </a:lvl8pPr>
-            <a:lvl9pPr marL="3657600" indent="0">
+            <a:lvl9pPr marL="3471694" indent="0">
               <a:buNone/>
               <a:defRPr sz="900"/>
             </a:lvl9pPr>
@@ -2512,7 +2512,7 @@
           <a:p>
             <a:fld id="{94783D7E-701B-41EE-968D-E515803E52E9}" type="datetimeFigureOut">
               <a:rPr lang="en-GB" smtClean="0"/>
-              <a:t>25/06/2014</a:t>
+              <a:t>11/07/2014</a:t>
             </a:fld>
             <a:endParaRPr lang="en-GB"/>
           </a:p>
@@ -2607,15 +2607,15 @@
         </p:nvSpPr>
         <p:spPr>
           <a:xfrm>
-            <a:off x="576105" y="108139"/>
-            <a:ext cx="10369868" cy="450056"/>
+            <a:off x="378065" y="93708"/>
+            <a:ext cx="6805137" cy="389996"/>
           </a:xfrm>
           <a:prstGeom prst="rect">
             <a:avLst/>
           </a:prstGeom>
         </p:spPr>
         <p:txBody>
-          <a:bodyPr vert="horz" lIns="91440" tIns="45720" rIns="91440" bIns="45720" rtlCol="0" anchor="ctr">
+          <a:bodyPr vert="horz" lIns="86792" tIns="43396" rIns="86792" bIns="43396" rtlCol="0" anchor="ctr">
             <a:normAutofit/>
           </a:bodyPr>
           <a:lstStyle/>
@@ -2640,15 +2640,15 @@
         </p:nvSpPr>
         <p:spPr>
           <a:xfrm>
-            <a:off x="576105" y="630079"/>
-            <a:ext cx="10369868" cy="1782098"/>
+            <a:off x="378065" y="545995"/>
+            <a:ext cx="6805137" cy="1544275"/>
           </a:xfrm>
           <a:prstGeom prst="rect">
             <a:avLst/>
           </a:prstGeom>
         </p:spPr>
         <p:txBody>
-          <a:bodyPr vert="horz" lIns="91440" tIns="45720" rIns="91440" bIns="45720" rtlCol="0">
+          <a:bodyPr vert="horz" lIns="86792" tIns="43396" rIns="86792" bIns="43396" rtlCol="0">
             <a:normAutofit/>
           </a:bodyPr>
           <a:lstStyle/>
@@ -2702,18 +2702,18 @@
         </p:nvSpPr>
         <p:spPr>
           <a:xfrm>
-            <a:off x="576105" y="2502814"/>
-            <a:ext cx="2688484" cy="143769"/>
+            <a:off x="378065" y="2168813"/>
+            <a:ext cx="1764295" cy="124583"/>
           </a:xfrm>
           <a:prstGeom prst="rect">
             <a:avLst/>
           </a:prstGeom>
         </p:spPr>
         <p:txBody>
-          <a:bodyPr vert="horz" lIns="91440" tIns="45720" rIns="91440" bIns="45720" rtlCol="0" anchor="ctr"/>
+          <a:bodyPr vert="horz" lIns="86792" tIns="43396" rIns="86792" bIns="43396" rtlCol="0" anchor="ctr"/>
           <a:lstStyle>
             <a:lvl1pPr algn="l">
-              <a:defRPr sz="1200">
+              <a:defRPr sz="1100">
                 <a:solidFill>
                   <a:schemeClr val="tx1">
                     <a:tint val="75000"/>
@@ -2725,7 +2725,7 @@
           <a:p>
             <a:fld id="{94783D7E-701B-41EE-968D-E515803E52E9}" type="datetimeFigureOut">
               <a:rPr lang="en-GB" smtClean="0"/>
-              <a:t>25/06/2014</a:t>
+              <a:t>11/07/2014</a:t>
             </a:fld>
             <a:endParaRPr lang="en-GB"/>
           </a:p>
@@ -2743,18 +2743,18 @@
         </p:nvSpPr>
         <p:spPr>
           <a:xfrm>
-            <a:off x="3936709" y="2502814"/>
-            <a:ext cx="3648658" cy="143769"/>
+            <a:off x="2583433" y="2168813"/>
+            <a:ext cx="2394400" cy="124583"/>
           </a:xfrm>
           <a:prstGeom prst="rect">
             <a:avLst/>
           </a:prstGeom>
         </p:spPr>
         <p:txBody>
-          <a:bodyPr vert="horz" lIns="91440" tIns="45720" rIns="91440" bIns="45720" rtlCol="0" anchor="ctr"/>
+          <a:bodyPr vert="horz" lIns="86792" tIns="43396" rIns="86792" bIns="43396" rtlCol="0" anchor="ctr"/>
           <a:lstStyle>
             <a:lvl1pPr algn="ctr">
-              <a:defRPr sz="1200">
+              <a:defRPr sz="1100">
                 <a:solidFill>
                   <a:schemeClr val="tx1">
                     <a:tint val="75000"/>
@@ -2780,18 +2780,18 @@
         </p:nvSpPr>
         <p:spPr>
           <a:xfrm>
-            <a:off x="8257488" y="2502814"/>
-            <a:ext cx="2688484" cy="143769"/>
+            <a:off x="5418907" y="2168813"/>
+            <a:ext cx="1764295" cy="124583"/>
           </a:xfrm>
           <a:prstGeom prst="rect">
             <a:avLst/>
           </a:prstGeom>
         </p:spPr>
         <p:txBody>
-          <a:bodyPr vert="horz" lIns="91440" tIns="45720" rIns="91440" bIns="45720" rtlCol="0" anchor="ctr"/>
+          <a:bodyPr vert="horz" lIns="86792" tIns="43396" rIns="86792" bIns="43396" rtlCol="0" anchor="ctr"/>
           <a:lstStyle>
             <a:lvl1pPr algn="r">
-              <a:defRPr sz="1200">
+              <a:defRPr sz="1100">
                 <a:solidFill>
                   <a:schemeClr val="tx1">
                     <a:tint val="75000"/>
@@ -2832,12 +2832,12 @@
   </p:sldLayoutIdLst>
   <p:txStyles>
     <p:titleStyle>
-      <a:lvl1pPr algn="ctr" defTabSz="914400" rtl="0" eaLnBrk="1" latinLnBrk="0" hangingPunct="1">
+      <a:lvl1pPr algn="ctr" defTabSz="867924" rtl="0" eaLnBrk="1" latinLnBrk="0" hangingPunct="1">
         <a:spcBef>
           <a:spcPct val="0"/>
         </a:spcBef>
         <a:buNone/>
-        <a:defRPr sz="4400" kern="1200">
+        <a:defRPr sz="4100" kern="1200">
           <a:solidFill>
             <a:schemeClr val="tx1"/>
           </a:solidFill>
@@ -2848,13 +2848,13 @@
       </a:lvl1pPr>
     </p:titleStyle>
     <p:bodyStyle>
-      <a:lvl1pPr marL="342900" indent="-342900" algn="l" defTabSz="914400" rtl="0" eaLnBrk="1" latinLnBrk="0" hangingPunct="1">
+      <a:lvl1pPr marL="325471" indent="-325471" algn="l" defTabSz="867924" rtl="0" eaLnBrk="1" latinLnBrk="0" hangingPunct="1">
         <a:spcBef>
           <a:spcPct val="20000"/>
         </a:spcBef>
         <a:buFont typeface="Arial" panose="020B0604020202020204" pitchFamily="34" charset="0"/>
         <a:buChar char="•"/>
-        <a:defRPr sz="3200" kern="1200">
+        <a:defRPr sz="3000" kern="1200">
           <a:solidFill>
             <a:schemeClr val="tx1"/>
           </a:solidFill>
@@ -2863,13 +2863,13 @@
           <a:cs typeface="+mn-cs"/>
         </a:defRPr>
       </a:lvl1pPr>
-      <a:lvl2pPr marL="742950" indent="-285750" algn="l" defTabSz="914400" rtl="0" eaLnBrk="1" latinLnBrk="0" hangingPunct="1">
+      <a:lvl2pPr marL="705188" indent="-271227" algn="l" defTabSz="867924" rtl="0" eaLnBrk="1" latinLnBrk="0" hangingPunct="1">
         <a:spcBef>
           <a:spcPct val="20000"/>
         </a:spcBef>
         <a:buFont typeface="Arial" panose="020B0604020202020204" pitchFamily="34" charset="0"/>
         <a:buChar char="–"/>
-        <a:defRPr sz="2800" kern="1200">
+        <a:defRPr sz="2700" kern="1200">
           <a:solidFill>
             <a:schemeClr val="tx1"/>
           </a:solidFill>
@@ -2878,13 +2878,13 @@
           <a:cs typeface="+mn-cs"/>
         </a:defRPr>
       </a:lvl2pPr>
-      <a:lvl3pPr marL="1143000" indent="-228600" algn="l" defTabSz="914400" rtl="0" eaLnBrk="1" latinLnBrk="0" hangingPunct="1">
+      <a:lvl3pPr marL="1084904" indent="-216981" algn="l" defTabSz="867924" rtl="0" eaLnBrk="1" latinLnBrk="0" hangingPunct="1">
         <a:spcBef>
           <a:spcPct val="20000"/>
         </a:spcBef>
         <a:buFont typeface="Arial" panose="020B0604020202020204" pitchFamily="34" charset="0"/>
         <a:buChar char="•"/>
-        <a:defRPr sz="2400" kern="1200">
+        <a:defRPr sz="2200" kern="1200">
           <a:solidFill>
             <a:schemeClr val="tx1"/>
           </a:solidFill>
@@ -2893,13 +2893,13 @@
           <a:cs typeface="+mn-cs"/>
         </a:defRPr>
       </a:lvl3pPr>
-      <a:lvl4pPr marL="1600200" indent="-228600" algn="l" defTabSz="914400" rtl="0" eaLnBrk="1" latinLnBrk="0" hangingPunct="1">
+      <a:lvl4pPr marL="1518866" indent="-216981" algn="l" defTabSz="867924" rtl="0" eaLnBrk="1" latinLnBrk="0" hangingPunct="1">
         <a:spcBef>
           <a:spcPct val="20000"/>
         </a:spcBef>
         <a:buFont typeface="Arial" panose="020B0604020202020204" pitchFamily="34" charset="0"/>
         <a:buChar char="–"/>
-        <a:defRPr sz="2000" kern="1200">
+        <a:defRPr sz="1900" kern="1200">
           <a:solidFill>
             <a:schemeClr val="tx1"/>
           </a:solidFill>
@@ -2908,13 +2908,13 @@
           <a:cs typeface="+mn-cs"/>
         </a:defRPr>
       </a:lvl4pPr>
-      <a:lvl5pPr marL="2057400" indent="-228600" algn="l" defTabSz="914400" rtl="0" eaLnBrk="1" latinLnBrk="0" hangingPunct="1">
+      <a:lvl5pPr marL="1952828" indent="-216981" algn="l" defTabSz="867924" rtl="0" eaLnBrk="1" latinLnBrk="0" hangingPunct="1">
         <a:spcBef>
           <a:spcPct val="20000"/>
         </a:spcBef>
         <a:buFont typeface="Arial" panose="020B0604020202020204" pitchFamily="34" charset="0"/>
         <a:buChar char="»"/>
-        <a:defRPr sz="2000" kern="1200">
+        <a:defRPr sz="1900" kern="1200">
           <a:solidFill>
             <a:schemeClr val="tx1"/>
           </a:solidFill>
@@ -2923,13 +2923,13 @@
           <a:cs typeface="+mn-cs"/>
         </a:defRPr>
       </a:lvl5pPr>
-      <a:lvl6pPr marL="2514600" indent="-228600" algn="l" defTabSz="914400" rtl="0" eaLnBrk="1" latinLnBrk="0" hangingPunct="1">
+      <a:lvl6pPr marL="2386790" indent="-216981" algn="l" defTabSz="867924" rtl="0" eaLnBrk="1" latinLnBrk="0" hangingPunct="1">
         <a:spcBef>
           <a:spcPct val="20000"/>
         </a:spcBef>
         <a:buFont typeface="Arial" panose="020B0604020202020204" pitchFamily="34" charset="0"/>
         <a:buChar char="•"/>
-        <a:defRPr sz="2000" kern="1200">
+        <a:defRPr sz="1900" kern="1200">
           <a:solidFill>
             <a:schemeClr val="tx1"/>
           </a:solidFill>
@@ -2938,13 +2938,13 @@
           <a:cs typeface="+mn-cs"/>
         </a:defRPr>
       </a:lvl6pPr>
-      <a:lvl7pPr marL="2971800" indent="-228600" algn="l" defTabSz="914400" rtl="0" eaLnBrk="1" latinLnBrk="0" hangingPunct="1">
+      <a:lvl7pPr marL="2820751" indent="-216981" algn="l" defTabSz="867924" rtl="0" eaLnBrk="1" latinLnBrk="0" hangingPunct="1">
         <a:spcBef>
           <a:spcPct val="20000"/>
         </a:spcBef>
         <a:buFont typeface="Arial" panose="020B0604020202020204" pitchFamily="34" charset="0"/>
         <a:buChar char="•"/>
-        <a:defRPr sz="2000" kern="1200">
+        <a:defRPr sz="1900" kern="1200">
           <a:solidFill>
             <a:schemeClr val="tx1"/>
           </a:solidFill>
@@ -2953,13 +2953,13 @@
           <a:cs typeface="+mn-cs"/>
         </a:defRPr>
       </a:lvl7pPr>
-      <a:lvl8pPr marL="3429000" indent="-228600" algn="l" defTabSz="914400" rtl="0" eaLnBrk="1" latinLnBrk="0" hangingPunct="1">
+      <a:lvl8pPr marL="3254714" indent="-216981" algn="l" defTabSz="867924" rtl="0" eaLnBrk="1" latinLnBrk="0" hangingPunct="1">
         <a:spcBef>
           <a:spcPct val="20000"/>
         </a:spcBef>
         <a:buFont typeface="Arial" panose="020B0604020202020204" pitchFamily="34" charset="0"/>
         <a:buChar char="•"/>
-        <a:defRPr sz="2000" kern="1200">
+        <a:defRPr sz="1900" kern="1200">
           <a:solidFill>
             <a:schemeClr val="tx1"/>
           </a:solidFill>
@@ -2968,13 +2968,13 @@
           <a:cs typeface="+mn-cs"/>
         </a:defRPr>
       </a:lvl8pPr>
-      <a:lvl9pPr marL="3886200" indent="-228600" algn="l" defTabSz="914400" rtl="0" eaLnBrk="1" latinLnBrk="0" hangingPunct="1">
+      <a:lvl9pPr marL="3688675" indent="-216981" algn="l" defTabSz="867924" rtl="0" eaLnBrk="1" latinLnBrk="0" hangingPunct="1">
         <a:spcBef>
           <a:spcPct val="20000"/>
         </a:spcBef>
         <a:buFont typeface="Arial" panose="020B0604020202020204" pitchFamily="34" charset="0"/>
         <a:buChar char="•"/>
-        <a:defRPr sz="2000" kern="1200">
+        <a:defRPr sz="1900" kern="1200">
           <a:solidFill>
             <a:schemeClr val="tx1"/>
           </a:solidFill>
@@ -2988,8 +2988,8 @@
       <a:defPPr>
         <a:defRPr lang="en-US"/>
       </a:defPPr>
-      <a:lvl1pPr marL="0" algn="l" defTabSz="914400" rtl="0" eaLnBrk="1" latinLnBrk="0" hangingPunct="1">
-        <a:defRPr sz="1800" kern="1200">
+      <a:lvl1pPr marL="0" algn="l" defTabSz="867924" rtl="0" eaLnBrk="1" latinLnBrk="0" hangingPunct="1">
+        <a:defRPr sz="1700" kern="1200">
           <a:solidFill>
             <a:schemeClr val="tx1"/>
           </a:solidFill>
@@ -2998,8 +2998,8 @@
           <a:cs typeface="+mn-cs"/>
         </a:defRPr>
       </a:lvl1pPr>
-      <a:lvl2pPr marL="457200" algn="l" defTabSz="914400" rtl="0" eaLnBrk="1" latinLnBrk="0" hangingPunct="1">
-        <a:defRPr sz="1800" kern="1200">
+      <a:lvl2pPr marL="433961" algn="l" defTabSz="867924" rtl="0" eaLnBrk="1" latinLnBrk="0" hangingPunct="1">
+        <a:defRPr sz="1700" kern="1200">
           <a:solidFill>
             <a:schemeClr val="tx1"/>
           </a:solidFill>
@@ -3008,8 +3008,8 @@
           <a:cs typeface="+mn-cs"/>
         </a:defRPr>
       </a:lvl2pPr>
-      <a:lvl3pPr marL="914400" algn="l" defTabSz="914400" rtl="0" eaLnBrk="1" latinLnBrk="0" hangingPunct="1">
-        <a:defRPr sz="1800" kern="1200">
+      <a:lvl3pPr marL="867924" algn="l" defTabSz="867924" rtl="0" eaLnBrk="1" latinLnBrk="0" hangingPunct="1">
+        <a:defRPr sz="1700" kern="1200">
           <a:solidFill>
             <a:schemeClr val="tx1"/>
           </a:solidFill>
@@ -3018,8 +3018,8 @@
           <a:cs typeface="+mn-cs"/>
         </a:defRPr>
       </a:lvl3pPr>
-      <a:lvl4pPr marL="1371600" algn="l" defTabSz="914400" rtl="0" eaLnBrk="1" latinLnBrk="0" hangingPunct="1">
-        <a:defRPr sz="1800" kern="1200">
+      <a:lvl4pPr marL="1301886" algn="l" defTabSz="867924" rtl="0" eaLnBrk="1" latinLnBrk="0" hangingPunct="1">
+        <a:defRPr sz="1700" kern="1200">
           <a:solidFill>
             <a:schemeClr val="tx1"/>
           </a:solidFill>
@@ -3028,8 +3028,8 @@
           <a:cs typeface="+mn-cs"/>
         </a:defRPr>
       </a:lvl4pPr>
-      <a:lvl5pPr marL="1828800" algn="l" defTabSz="914400" rtl="0" eaLnBrk="1" latinLnBrk="0" hangingPunct="1">
-        <a:defRPr sz="1800" kern="1200">
+      <a:lvl5pPr marL="1735847" algn="l" defTabSz="867924" rtl="0" eaLnBrk="1" latinLnBrk="0" hangingPunct="1">
+        <a:defRPr sz="1700" kern="1200">
           <a:solidFill>
             <a:schemeClr val="tx1"/>
           </a:solidFill>
@@ -3038,8 +3038,8 @@
           <a:cs typeface="+mn-cs"/>
         </a:defRPr>
       </a:lvl5pPr>
-      <a:lvl6pPr marL="2286000" algn="l" defTabSz="914400" rtl="0" eaLnBrk="1" latinLnBrk="0" hangingPunct="1">
-        <a:defRPr sz="1800" kern="1200">
+      <a:lvl6pPr marL="2169808" algn="l" defTabSz="867924" rtl="0" eaLnBrk="1" latinLnBrk="0" hangingPunct="1">
+        <a:defRPr sz="1700" kern="1200">
           <a:solidFill>
             <a:schemeClr val="tx1"/>
           </a:solidFill>
@@ -3048,8 +3048,8 @@
           <a:cs typeface="+mn-cs"/>
         </a:defRPr>
       </a:lvl6pPr>
-      <a:lvl7pPr marL="2743200" algn="l" defTabSz="914400" rtl="0" eaLnBrk="1" latinLnBrk="0" hangingPunct="1">
-        <a:defRPr sz="1800" kern="1200">
+      <a:lvl7pPr marL="2603771" algn="l" defTabSz="867924" rtl="0" eaLnBrk="1" latinLnBrk="0" hangingPunct="1">
+        <a:defRPr sz="1700" kern="1200">
           <a:solidFill>
             <a:schemeClr val="tx1"/>
           </a:solidFill>
@@ -3058,8 +3058,8 @@
           <a:cs typeface="+mn-cs"/>
         </a:defRPr>
       </a:lvl7pPr>
-      <a:lvl8pPr marL="3200400" algn="l" defTabSz="914400" rtl="0" eaLnBrk="1" latinLnBrk="0" hangingPunct="1">
-        <a:defRPr sz="1800" kern="1200">
+      <a:lvl8pPr marL="3037732" algn="l" defTabSz="867924" rtl="0" eaLnBrk="1" latinLnBrk="0" hangingPunct="1">
+        <a:defRPr sz="1700" kern="1200">
           <a:solidFill>
             <a:schemeClr val="tx1"/>
           </a:solidFill>
@@ -3068,8 +3068,8 @@
           <a:cs typeface="+mn-cs"/>
         </a:defRPr>
       </a:lvl8pPr>
-      <a:lvl9pPr marL="3657600" algn="l" defTabSz="914400" rtl="0" eaLnBrk="1" latinLnBrk="0" hangingPunct="1">
-        <a:defRPr sz="1800" kern="1200">
+      <a:lvl9pPr marL="3471694" algn="l" defTabSz="867924" rtl="0" eaLnBrk="1" latinLnBrk="0" hangingPunct="1">
+        <a:defRPr sz="1700" kern="1200">
           <a:solidFill>
             <a:schemeClr val="tx1"/>
           </a:solidFill>
@@ -3102,7 +3102,7 @@
       </p:grpSpPr>
       <p:pic>
         <p:nvPicPr>
-          <p:cNvPr id="28" name="Picture 2" descr="C:\Users\Wendy\Documents\wwn20\Lit review\Figures\fujita1998-1.jpg"/>
+          <p:cNvPr id="24" name="Picture 2" descr="C:\Users\Wendy\Documents\wwn20\Lit review\Figures\fujita1998-1.jpg"/>
           <p:cNvPicPr>
             <a:picLocks noChangeAspect="1" noChangeArrowheads="1"/>
           </p:cNvPicPr>
@@ -3123,7 +3123,7 @@
         </p:blipFill>
         <p:spPr bwMode="auto">
           <a:xfrm>
-            <a:off x="8557" y="294660"/>
+            <a:off x="8557" y="-17983"/>
             <a:ext cx="3954685" cy="2343151"/>
           </a:xfrm>
           <a:prstGeom prst="rect">
@@ -3143,7 +3143,7 @@
       </p:pic>
       <p:pic>
         <p:nvPicPr>
-          <p:cNvPr id="29" name="Picture 3" descr="C:\Users\Wendy\Documents\wwn20\Lit review\Figures\lanty2008-1.jpg"/>
+          <p:cNvPr id="25" name="Picture 3" descr="C:\Users\Wendy\Documents\wwn20\Lit review\Figures\lanty2008-1.jpg"/>
           <p:cNvPicPr>
             <a:picLocks noChangeAspect="1" noChangeArrowheads="1"/>
           </p:cNvPicPr>
@@ -3164,7 +3164,7 @@
         </p:blipFill>
         <p:spPr bwMode="auto">
           <a:xfrm>
-            <a:off x="4004490" y="251799"/>
+            <a:off x="4004490" y="-17983"/>
             <a:ext cx="3543300" cy="2428875"/>
           </a:xfrm>
           <a:prstGeom prst="rect">
@@ -3182,48 +3182,9 @@
           </a:extLst>
         </p:spPr>
       </p:pic>
-      <p:pic>
-        <p:nvPicPr>
-          <p:cNvPr id="30" name="Picture 4" descr="C:\Users\Wendy\Documents\wwn20\Lit review\Figures\ishihayase2001-1.jpg"/>
-          <p:cNvPicPr>
-            <a:picLocks noChangeAspect="1" noChangeArrowheads="1"/>
-          </p:cNvPicPr>
-          <p:nvPr/>
-        </p:nvPicPr>
-        <p:blipFill rotWithShape="1">
-          <a:blip r:embed="rId4">
-            <a:extLst>
-              <a:ext uri="{28A0092B-C50C-407E-A947-70E740481C1C}">
-                <a14:useLocalDpi xmlns:a14="http://schemas.microsoft.com/office/drawing/2010/main" val="0"/>
-              </a:ext>
-            </a:extLst>
-          </a:blip>
-          <a:srcRect t="11846"/>
-          <a:stretch/>
-        </p:blipFill>
-        <p:spPr bwMode="auto">
-          <a:xfrm>
-            <a:off x="7489632" y="0"/>
-            <a:ext cx="4012199" cy="2680674"/>
-          </a:xfrm>
-          <a:prstGeom prst="rect">
-            <a:avLst/>
-          </a:prstGeom>
-          <a:noFill/>
-          <a:extLst>
-            <a:ext uri="{909E8E84-426E-40DD-AFC4-6F175D3DCCD1}">
-              <a14:hiddenFill xmlns:a14="http://schemas.microsoft.com/office/drawing/2010/main">
-                <a:solidFill>
-                  <a:srgbClr val="FFFFFF"/>
-                </a:solidFill>
-              </a14:hiddenFill>
-            </a:ext>
-          </a:extLst>
-        </p:spPr>
-      </p:pic>
-      <p:sp>
-        <p:nvSpPr>
-          <p:cNvPr id="31" name="TextBox 30"/>
+      <p:sp>
+        <p:nvSpPr>
+          <p:cNvPr id="26" name="TextBox 25"/>
           <p:cNvSpPr txBox="1"/>
           <p:nvPr/>
         </p:nvSpPr>
@@ -3253,7 +3214,7 @@
       </p:sp>
       <p:sp>
         <p:nvSpPr>
-          <p:cNvPr id="32" name="TextBox 31"/>
+          <p:cNvPr id="27" name="TextBox 26"/>
           <p:cNvSpPr txBox="1"/>
           <p:nvPr/>
         </p:nvSpPr>
@@ -3276,36 +3237,6 @@
             <a:r>
               <a:rPr lang="en-GB" sz="2500" dirty="0" smtClean="0"/>
               <a:t>(b)</a:t>
-            </a:r>
-            <a:endParaRPr lang="en-GB" sz="2500" dirty="0"/>
-          </a:p>
-        </p:txBody>
-      </p:sp>
-      <p:sp>
-        <p:nvSpPr>
-          <p:cNvPr id="33" name="TextBox 32"/>
-          <p:cNvSpPr txBox="1"/>
-          <p:nvPr/>
-        </p:nvSpPr>
-        <p:spPr>
-          <a:xfrm>
-            <a:off x="7812360" y="13272"/>
-            <a:ext cx="576064" cy="477054"/>
-          </a:xfrm>
-          <a:prstGeom prst="rect">
-            <a:avLst/>
-          </a:prstGeom>
-          <a:noFill/>
-        </p:spPr>
-        <p:txBody>
-          <a:bodyPr wrap="square" rtlCol="0">
-            <a:spAutoFit/>
-          </a:bodyPr>
-          <a:lstStyle/>
-          <a:p>
-            <a:r>
-              <a:rPr lang="en-GB" sz="2500" dirty="0" smtClean="0"/>
-              <a:t>(c)</a:t>
             </a:r>
             <a:endParaRPr lang="en-GB" sz="2500" dirty="0"/>
           </a:p>

--- a/Chapter2/Figures/Fig20.pptx
+++ b/Chapter2/Figures/Fig20.pptx
@@ -7,7 +7,7 @@
   <p:sldIdLst>
     <p:sldId id="256" r:id="rId2"/>
   </p:sldIdLst>
-  <p:sldSz cx="7561263" cy="2339975"/>
+  <p:sldSz cx="6840538" cy="2520950"/>
   <p:notesSz cx="6858000" cy="9144000"/>
   <p:defaultTextStyle>
     <a:defPPr>
@@ -136,8 +136,8 @@
         </p:nvSpPr>
         <p:spPr>
           <a:xfrm>
-            <a:off x="567096" y="726910"/>
-            <a:ext cx="6427074" cy="501578"/>
+            <a:off x="513041" y="783130"/>
+            <a:ext cx="5814458" cy="540370"/>
           </a:xfrm>
         </p:spPr>
         <p:txBody>
@@ -164,8 +164,8 @@
         </p:nvSpPr>
         <p:spPr>
           <a:xfrm>
-            <a:off x="1134191" y="1325990"/>
-            <a:ext cx="5292884" cy="597994"/>
+            <a:off x="1026083" y="1428543"/>
+            <a:ext cx="4788377" cy="644243"/>
           </a:xfrm>
         </p:spPr>
         <p:txBody>
@@ -288,7 +288,7 @@
           <a:p>
             <a:fld id="{94783D7E-701B-41EE-968D-E515803E52E9}" type="datetimeFigureOut">
               <a:rPr lang="en-GB" smtClean="0"/>
-              <a:t>11/07/2014</a:t>
+              <a:t>01/09/2014</a:t>
             </a:fld>
             <a:endParaRPr lang="en-GB"/>
           </a:p>
@@ -458,7 +458,7 @@
           <a:p>
             <a:fld id="{94783D7E-701B-41EE-968D-E515803E52E9}" type="datetimeFigureOut">
               <a:rPr lang="en-GB" smtClean="0"/>
-              <a:t>11/07/2014</a:t>
+              <a:t>01/09/2014</a:t>
             </a:fld>
             <a:endParaRPr lang="en-GB"/>
           </a:p>
@@ -548,8 +548,8 @@
         </p:nvSpPr>
         <p:spPr>
           <a:xfrm>
-            <a:off x="6475648" y="39542"/>
-            <a:ext cx="2009772" cy="837950"/>
+            <a:off x="5858402" y="42600"/>
+            <a:ext cx="1818204" cy="902758"/>
           </a:xfrm>
         </p:spPr>
         <p:txBody>
@@ -576,8 +576,8 @@
         </p:nvSpPr>
         <p:spPr>
           <a:xfrm>
-            <a:off x="446325" y="39542"/>
-            <a:ext cx="5903300" cy="837950"/>
+            <a:off x="403783" y="42600"/>
+            <a:ext cx="5340609" cy="902758"/>
           </a:xfrm>
         </p:spPr>
         <p:txBody>
@@ -638,7 +638,7 @@
           <a:p>
             <a:fld id="{94783D7E-701B-41EE-968D-E515803E52E9}" type="datetimeFigureOut">
               <a:rPr lang="en-GB" smtClean="0"/>
-              <a:t>11/07/2014</a:t>
+              <a:t>01/09/2014</a:t>
             </a:fld>
             <a:endParaRPr lang="en-GB"/>
           </a:p>
@@ -808,7 +808,7 @@
           <a:p>
             <a:fld id="{94783D7E-701B-41EE-968D-E515803E52E9}" type="datetimeFigureOut">
               <a:rPr lang="en-GB" smtClean="0"/>
-              <a:t>11/07/2014</a:t>
+              <a:t>01/09/2014</a:t>
             </a:fld>
             <a:endParaRPr lang="en-GB"/>
           </a:p>
@@ -898,8 +898,8 @@
         </p:nvSpPr>
         <p:spPr>
           <a:xfrm>
-            <a:off x="597289" y="1503652"/>
-            <a:ext cx="6427074" cy="464744"/>
+            <a:off x="540356" y="1619946"/>
+            <a:ext cx="5814458" cy="500687"/>
           </a:xfrm>
         </p:spPr>
         <p:txBody>
@@ -930,8 +930,8 @@
         </p:nvSpPr>
         <p:spPr>
           <a:xfrm>
-            <a:off x="597289" y="991783"/>
-            <a:ext cx="6427074" cy="511870"/>
+            <a:off x="540356" y="1068488"/>
+            <a:ext cx="5814458" cy="551458"/>
           </a:xfrm>
         </p:spPr>
         <p:txBody>
@@ -1054,7 +1054,7 @@
           <a:p>
             <a:fld id="{94783D7E-701B-41EE-968D-E515803E52E9}" type="datetimeFigureOut">
               <a:rPr lang="en-GB" smtClean="0"/>
-              <a:t>11/07/2014</a:t>
+              <a:t>01/09/2014</a:t>
             </a:fld>
             <a:endParaRPr lang="en-GB"/>
           </a:p>
@@ -1167,8 +1167,8 @@
         </p:nvSpPr>
         <p:spPr>
           <a:xfrm>
-            <a:off x="446327" y="229124"/>
-            <a:ext cx="3956536" cy="648368"/>
+            <a:off x="403785" y="246845"/>
+            <a:ext cx="3579407" cy="698513"/>
           </a:xfrm>
         </p:spPr>
         <p:txBody>
@@ -1252,8 +1252,8 @@
         </p:nvSpPr>
         <p:spPr>
           <a:xfrm>
-            <a:off x="4528884" y="229124"/>
-            <a:ext cx="3956536" cy="648368"/>
+            <a:off x="4097200" y="246845"/>
+            <a:ext cx="3579407" cy="698513"/>
           </a:xfrm>
         </p:spPr>
         <p:txBody>
@@ -1342,7 +1342,7 @@
           <a:p>
             <a:fld id="{94783D7E-701B-41EE-968D-E515803E52E9}" type="datetimeFigureOut">
               <a:rPr lang="en-GB" smtClean="0"/>
-              <a:t>11/07/2014</a:t>
+              <a:t>01/09/2014</a:t>
             </a:fld>
             <a:endParaRPr lang="en-GB"/>
           </a:p>
@@ -1432,8 +1432,8 @@
         </p:nvSpPr>
         <p:spPr>
           <a:xfrm>
-            <a:off x="378065" y="93708"/>
-            <a:ext cx="6805137" cy="389996"/>
+            <a:off x="342029" y="100955"/>
+            <a:ext cx="6156484" cy="420158"/>
           </a:xfrm>
         </p:spPr>
         <p:txBody>
@@ -1464,8 +1464,8 @@
         </p:nvSpPr>
         <p:spPr>
           <a:xfrm>
-            <a:off x="378065" y="523788"/>
-            <a:ext cx="3340871" cy="218289"/>
+            <a:off x="342029" y="564299"/>
+            <a:ext cx="3022426" cy="235172"/>
           </a:xfrm>
         </p:spPr>
         <p:txBody>
@@ -1529,8 +1529,8 @@
         </p:nvSpPr>
         <p:spPr>
           <a:xfrm>
-            <a:off x="378065" y="742076"/>
-            <a:ext cx="3340871" cy="1348194"/>
+            <a:off x="342029" y="799469"/>
+            <a:ext cx="3022426" cy="1452464"/>
           </a:xfrm>
         </p:spPr>
         <p:txBody>
@@ -1614,8 +1614,8 @@
         </p:nvSpPr>
         <p:spPr>
           <a:xfrm>
-            <a:off x="3841020" y="523788"/>
-            <a:ext cx="3342183" cy="218289"/>
+            <a:off x="3474903" y="564299"/>
+            <a:ext cx="3023613" cy="235172"/>
           </a:xfrm>
         </p:spPr>
         <p:txBody>
@@ -1679,8 +1679,8 @@
         </p:nvSpPr>
         <p:spPr>
           <a:xfrm>
-            <a:off x="3841020" y="742076"/>
-            <a:ext cx="3342183" cy="1348194"/>
+            <a:off x="3474903" y="799469"/>
+            <a:ext cx="3023613" cy="1452464"/>
           </a:xfrm>
         </p:spPr>
         <p:txBody>
@@ -1769,7 +1769,7 @@
           <a:p>
             <a:fld id="{94783D7E-701B-41EE-968D-E515803E52E9}" type="datetimeFigureOut">
               <a:rPr lang="en-GB" smtClean="0"/>
-              <a:t>11/07/2014</a:t>
+              <a:t>01/09/2014</a:t>
             </a:fld>
             <a:endParaRPr lang="en-GB"/>
           </a:p>
@@ -1887,7 +1887,7 @@
           <a:p>
             <a:fld id="{94783D7E-701B-41EE-968D-E515803E52E9}" type="datetimeFigureOut">
               <a:rPr lang="en-GB" smtClean="0"/>
-              <a:t>11/07/2014</a:t>
+              <a:t>01/09/2014</a:t>
             </a:fld>
             <a:endParaRPr lang="en-GB"/>
           </a:p>
@@ -1982,7 +1982,7 @@
           <a:p>
             <a:fld id="{94783D7E-701B-41EE-968D-E515803E52E9}" type="datetimeFigureOut">
               <a:rPr lang="en-GB" smtClean="0"/>
-              <a:t>11/07/2014</a:t>
+              <a:t>01/09/2014</a:t>
             </a:fld>
             <a:endParaRPr lang="en-GB"/>
           </a:p>
@@ -2072,8 +2072,8 @@
         </p:nvSpPr>
         <p:spPr>
           <a:xfrm>
-            <a:off x="378066" y="93171"/>
-            <a:ext cx="2487603" cy="396496"/>
+            <a:off x="342031" y="100377"/>
+            <a:ext cx="2250489" cy="427161"/>
           </a:xfrm>
         </p:spPr>
         <p:txBody>
@@ -2104,8 +2104,8 @@
         </p:nvSpPr>
         <p:spPr>
           <a:xfrm>
-            <a:off x="2956247" y="93169"/>
-            <a:ext cx="4226957" cy="1997104"/>
+            <a:off x="2674463" y="100375"/>
+            <a:ext cx="3824052" cy="2151561"/>
           </a:xfrm>
         </p:spPr>
         <p:txBody>
@@ -2189,8 +2189,8 @@
         </p:nvSpPr>
         <p:spPr>
           <a:xfrm>
-            <a:off x="378066" y="489661"/>
-            <a:ext cx="2487603" cy="1600608"/>
+            <a:off x="342031" y="527532"/>
+            <a:ext cx="2250489" cy="1724400"/>
           </a:xfrm>
         </p:spPr>
         <p:txBody>
@@ -2259,7 +2259,7 @@
           <a:p>
             <a:fld id="{94783D7E-701B-41EE-968D-E515803E52E9}" type="datetimeFigureOut">
               <a:rPr lang="en-GB" smtClean="0"/>
-              <a:t>11/07/2014</a:t>
+              <a:t>01/09/2014</a:t>
             </a:fld>
             <a:endParaRPr lang="en-GB"/>
           </a:p>
@@ -2349,8 +2349,8 @@
         </p:nvSpPr>
         <p:spPr>
           <a:xfrm>
-            <a:off x="1482063" y="1637984"/>
-            <a:ext cx="4536758" cy="193372"/>
+            <a:off x="1340797" y="1764667"/>
+            <a:ext cx="4104323" cy="208327"/>
           </a:xfrm>
         </p:spPr>
         <p:txBody>
@@ -2381,8 +2381,8 @@
         </p:nvSpPr>
         <p:spPr>
           <a:xfrm>
-            <a:off x="1482063" y="209085"/>
-            <a:ext cx="4536758" cy="1403985"/>
+            <a:off x="1340797" y="225257"/>
+            <a:ext cx="4104323" cy="1512570"/>
           </a:xfrm>
         </p:spPr>
         <p:txBody>
@@ -2442,8 +2442,8 @@
         </p:nvSpPr>
         <p:spPr>
           <a:xfrm>
-            <a:off x="1482063" y="1831358"/>
-            <a:ext cx="4536758" cy="274623"/>
+            <a:off x="1340797" y="1972997"/>
+            <a:ext cx="4104323" cy="295863"/>
           </a:xfrm>
         </p:spPr>
         <p:txBody>
@@ -2512,7 +2512,7 @@
           <a:p>
             <a:fld id="{94783D7E-701B-41EE-968D-E515803E52E9}" type="datetimeFigureOut">
               <a:rPr lang="en-GB" smtClean="0"/>
-              <a:t>11/07/2014</a:t>
+              <a:t>01/09/2014</a:t>
             </a:fld>
             <a:endParaRPr lang="en-GB"/>
           </a:p>
@@ -2607,8 +2607,8 @@
         </p:nvSpPr>
         <p:spPr>
           <a:xfrm>
-            <a:off x="378065" y="93708"/>
-            <a:ext cx="6805137" cy="389996"/>
+            <a:off x="342029" y="100955"/>
+            <a:ext cx="6156484" cy="420158"/>
           </a:xfrm>
           <a:prstGeom prst="rect">
             <a:avLst/>
@@ -2640,8 +2640,8 @@
         </p:nvSpPr>
         <p:spPr>
           <a:xfrm>
-            <a:off x="378065" y="545995"/>
-            <a:ext cx="6805137" cy="1544275"/>
+            <a:off x="342029" y="588223"/>
+            <a:ext cx="6156484" cy="1663710"/>
           </a:xfrm>
           <a:prstGeom prst="rect">
             <a:avLst/>
@@ -2702,8 +2702,8 @@
         </p:nvSpPr>
         <p:spPr>
           <a:xfrm>
-            <a:off x="378065" y="2168813"/>
-            <a:ext cx="1764295" cy="124583"/>
+            <a:off x="342029" y="2336551"/>
+            <a:ext cx="1596126" cy="134218"/>
           </a:xfrm>
           <a:prstGeom prst="rect">
             <a:avLst/>
@@ -2725,7 +2725,7 @@
           <a:p>
             <a:fld id="{94783D7E-701B-41EE-968D-E515803E52E9}" type="datetimeFigureOut">
               <a:rPr lang="en-GB" smtClean="0"/>
-              <a:t>11/07/2014</a:t>
+              <a:t>01/09/2014</a:t>
             </a:fld>
             <a:endParaRPr lang="en-GB"/>
           </a:p>
@@ -2743,8 +2743,8 @@
         </p:nvSpPr>
         <p:spPr>
           <a:xfrm>
-            <a:off x="2583433" y="2168813"/>
-            <a:ext cx="2394400" cy="124583"/>
+            <a:off x="2337185" y="2336551"/>
+            <a:ext cx="2166170" cy="134218"/>
           </a:xfrm>
           <a:prstGeom prst="rect">
             <a:avLst/>
@@ -2780,8 +2780,8 @@
         </p:nvSpPr>
         <p:spPr>
           <a:xfrm>
-            <a:off x="5418907" y="2168813"/>
-            <a:ext cx="1764295" cy="124583"/>
+            <a:off x="4902388" y="2336551"/>
+            <a:ext cx="1596126" cy="134218"/>
           </a:xfrm>
           <a:prstGeom prst="rect">
             <a:avLst/>
@@ -3102,7 +3102,7 @@
       </p:grpSpPr>
       <p:pic>
         <p:nvPicPr>
-          <p:cNvPr id="24" name="Picture 2" descr="C:\Users\Wendy\Documents\wwn20\Lit review\Figures\fujita1998-1.jpg"/>
+          <p:cNvPr id="11" name="Picture 2"/>
           <p:cNvPicPr>
             <a:picLocks noChangeAspect="1" noChangeArrowheads="1"/>
           </p:cNvPicPr>
@@ -3123,27 +3123,40 @@
         </p:blipFill>
         <p:spPr bwMode="auto">
           <a:xfrm>
-            <a:off x="8557" y="-17983"/>
-            <a:ext cx="3954685" cy="2343151"/>
+            <a:off x="3785640" y="-93266"/>
+            <a:ext cx="3384376" cy="2694250"/>
           </a:xfrm>
           <a:prstGeom prst="rect">
             <a:avLst/>
           </a:prstGeom>
           <a:noFill/>
+          <a:ln>
+            <a:noFill/>
+          </a:ln>
           <a:extLst>
             <a:ext uri="{909E8E84-426E-40DD-AFC4-6F175D3DCCD1}">
               <a14:hiddenFill xmlns:a14="http://schemas.microsoft.com/office/drawing/2010/main">
                 <a:solidFill>
-                  <a:srgbClr val="FFFFFF"/>
+                  <a:schemeClr val="accent1"/>
                 </a:solidFill>
               </a14:hiddenFill>
+            </a:ext>
+            <a:ext uri="{91240B29-F687-4F45-9708-019B960494DF}">
+              <a14:hiddenLine xmlns:a14="http://schemas.microsoft.com/office/drawing/2010/main" w="9525">
+                <a:solidFill>
+                  <a:schemeClr val="tx1"/>
+                </a:solidFill>
+                <a:miter lim="800000"/>
+                <a:headEnd/>
+                <a:tailEnd/>
+              </a14:hiddenLine>
             </a:ext>
           </a:extLst>
         </p:spPr>
       </p:pic>
       <p:pic>
         <p:nvPicPr>
-          <p:cNvPr id="25" name="Picture 3" descr="C:\Users\Wendy\Documents\wwn20\Lit review\Figures\lanty2008-1.jpg"/>
+          <p:cNvPr id="12" name="Picture 2" descr="C:\Users\Wendy\Documents\wwn20\Lit review\Figures\fujita1998-1.jpg"/>
           <p:cNvPicPr>
             <a:picLocks noChangeAspect="1" noChangeArrowheads="1"/>
           </p:cNvPicPr>
@@ -3164,8 +3177,8 @@
         </p:blipFill>
         <p:spPr bwMode="auto">
           <a:xfrm>
-            <a:off x="4004490" y="-17983"/>
-            <a:ext cx="3543300" cy="2428875"/>
+            <a:off x="8557" y="108347"/>
+            <a:ext cx="3954685" cy="2343151"/>
           </a:xfrm>
           <a:prstGeom prst="rect">
             <a:avLst/>
@@ -3184,7 +3197,7 @@
       </p:pic>
       <p:sp>
         <p:nvSpPr>
-          <p:cNvPr id="26" name="TextBox 25"/>
+          <p:cNvPr id="13" name="TextBox 12"/>
           <p:cNvSpPr txBox="1"/>
           <p:nvPr/>
         </p:nvSpPr>
@@ -3214,13 +3227,13 @@
       </p:sp>
       <p:sp>
         <p:nvSpPr>
-          <p:cNvPr id="27" name="TextBox 26"/>
+          <p:cNvPr id="14" name="TextBox 13"/>
           <p:cNvSpPr txBox="1"/>
           <p:nvPr/>
         </p:nvSpPr>
         <p:spPr>
           <a:xfrm>
-            <a:off x="3563888" y="0"/>
+            <a:off x="3780309" y="-8667"/>
             <a:ext cx="576064" cy="477054"/>
           </a:xfrm>
           <a:prstGeom prst="rect">
